--- a/Tugas Presentasi 1 Ide Project/Kelompok(1).pptx
+++ b/Tugas Presentasi 1 Ide Project/Kelompok(1).pptx
@@ -8094,10 +8094,10 @@
       </p:sp>
       <p:pic>
         <p:nvPicPr>
-          <p:cNvPr id="4" name="Picture 3">
+          <p:cNvPr id="6" name="Picture 5">
             <a:extLst>
               <a:ext uri="{FF2B5EF4-FFF2-40B4-BE49-F238E27FC236}">
-                <a16:creationId xmlns:a16="http://schemas.microsoft.com/office/drawing/2014/main" id="{702288C9-A26A-43B0-A88F-2C05D5C5006B}"/>
+                <a16:creationId xmlns:a16="http://schemas.microsoft.com/office/drawing/2014/main" id="{8737959F-6C13-6749-9177-80CBDFF0B23E}"/>
               </a:ext>
             </a:extLst>
           </p:cNvPr>
@@ -8107,15 +8107,21 @@
           <p:nvPr/>
         </p:nvPicPr>
         <p:blipFill>
-          <a:blip r:embed="rId2"/>
+          <a:blip r:embed="rId2">
+            <a:extLst>
+              <a:ext uri="{28A0092B-C50C-407E-A947-70E740481C1C}">
+                <a14:useLocalDpi xmlns:a14="http://schemas.microsoft.com/office/drawing/2010/main" val="0"/>
+              </a:ext>
+            </a:extLst>
+          </a:blip>
           <a:stretch>
             <a:fillRect/>
           </a:stretch>
         </p:blipFill>
         <p:spPr>
           <a:xfrm>
-            <a:off x="3363132" y="1990016"/>
-            <a:ext cx="8335053" cy="4114756"/>
+            <a:off x="3611812" y="2175709"/>
+            <a:ext cx="7910557" cy="3760479"/>
           </a:xfrm>
           <a:prstGeom prst="rect">
             <a:avLst/>
